--- a/02-practical/exercises/01-solid-srp.pptx
+++ b/02-practical/exercises/01-solid-srp.pptx
@@ -110,6 +110,9 @@
   <p:extLst>
     <p:ext uri="{EFAFB233-063F-42B5-8137-9DF3F51BA10A}">
       <p15:sldGuideLst xmlns:p15="http://schemas.microsoft.com/office/powerpoint/2012/main"/>
+    </p:ext>
+    <p:ext uri="{2D200454-40CA-4A62-9FC3-DE9A4176ACB9}">
+      <p15:notesGuideLst xmlns:p15="http://schemas.microsoft.com/office/powerpoint/2012/main"/>
     </p:ext>
   </p:extLst>
 </p:presentation>
@@ -851,7 +854,7 @@
                   </a:schemeClr>
                 </a:solidFill>
               </a:rPr>
-              <a:t>表示モジュール</a:t>
+              <a:t>操作モジュール</a:t>
             </a:r>
           </a:p>
         </p:txBody>
